--- a/Documentación/Diagrama reinicios.pptx
+++ b/Documentación/Diagrama reinicios.pptx
@@ -244,7 +244,7 @@
           <a:p>
             <a:fld id="{A6A76A58-F64E-4C48-8C5C-B6FA49AADF78}" type="datetimeFigureOut">
               <a:rPr lang="es-CO" smtClean="0"/>
-              <a:t>11/08/2020</a:t>
+              <a:t>20/08/2020</a:t>
             </a:fld>
             <a:endParaRPr lang="es-CO"/>
           </a:p>
@@ -414,7 +414,7 @@
           <a:p>
             <a:fld id="{A6A76A58-F64E-4C48-8C5C-B6FA49AADF78}" type="datetimeFigureOut">
               <a:rPr lang="es-CO" smtClean="0"/>
-              <a:t>11/08/2020</a:t>
+              <a:t>20/08/2020</a:t>
             </a:fld>
             <a:endParaRPr lang="es-CO"/>
           </a:p>
@@ -594,7 +594,7 @@
           <a:p>
             <a:fld id="{A6A76A58-F64E-4C48-8C5C-B6FA49AADF78}" type="datetimeFigureOut">
               <a:rPr lang="es-CO" smtClean="0"/>
-              <a:t>11/08/2020</a:t>
+              <a:t>20/08/2020</a:t>
             </a:fld>
             <a:endParaRPr lang="es-CO"/>
           </a:p>
@@ -764,7 +764,7 @@
           <a:p>
             <a:fld id="{A6A76A58-F64E-4C48-8C5C-B6FA49AADF78}" type="datetimeFigureOut">
               <a:rPr lang="es-CO" smtClean="0"/>
-              <a:t>11/08/2020</a:t>
+              <a:t>20/08/2020</a:t>
             </a:fld>
             <a:endParaRPr lang="es-CO"/>
           </a:p>
@@ -1010,7 +1010,7 @@
           <a:p>
             <a:fld id="{A6A76A58-F64E-4C48-8C5C-B6FA49AADF78}" type="datetimeFigureOut">
               <a:rPr lang="es-CO" smtClean="0"/>
-              <a:t>11/08/2020</a:t>
+              <a:t>20/08/2020</a:t>
             </a:fld>
             <a:endParaRPr lang="es-CO"/>
           </a:p>
@@ -1242,7 +1242,7 @@
           <a:p>
             <a:fld id="{A6A76A58-F64E-4C48-8C5C-B6FA49AADF78}" type="datetimeFigureOut">
               <a:rPr lang="es-CO" smtClean="0"/>
-              <a:t>11/08/2020</a:t>
+              <a:t>20/08/2020</a:t>
             </a:fld>
             <a:endParaRPr lang="es-CO"/>
           </a:p>
@@ -1609,7 +1609,7 @@
           <a:p>
             <a:fld id="{A6A76A58-F64E-4C48-8C5C-B6FA49AADF78}" type="datetimeFigureOut">
               <a:rPr lang="es-CO" smtClean="0"/>
-              <a:t>11/08/2020</a:t>
+              <a:t>20/08/2020</a:t>
             </a:fld>
             <a:endParaRPr lang="es-CO"/>
           </a:p>
@@ -1727,7 +1727,7 @@
           <a:p>
             <a:fld id="{A6A76A58-F64E-4C48-8C5C-B6FA49AADF78}" type="datetimeFigureOut">
               <a:rPr lang="es-CO" smtClean="0"/>
-              <a:t>11/08/2020</a:t>
+              <a:t>20/08/2020</a:t>
             </a:fld>
             <a:endParaRPr lang="es-CO"/>
           </a:p>
@@ -1822,7 +1822,7 @@
           <a:p>
             <a:fld id="{A6A76A58-F64E-4C48-8C5C-B6FA49AADF78}" type="datetimeFigureOut">
               <a:rPr lang="es-CO" smtClean="0"/>
-              <a:t>11/08/2020</a:t>
+              <a:t>20/08/2020</a:t>
             </a:fld>
             <a:endParaRPr lang="es-CO"/>
           </a:p>
@@ -2099,7 +2099,7 @@
           <a:p>
             <a:fld id="{A6A76A58-F64E-4C48-8C5C-B6FA49AADF78}" type="datetimeFigureOut">
               <a:rPr lang="es-CO" smtClean="0"/>
-              <a:t>11/08/2020</a:t>
+              <a:t>20/08/2020</a:t>
             </a:fld>
             <a:endParaRPr lang="es-CO"/>
           </a:p>
@@ -2352,7 +2352,7 @@
           <a:p>
             <a:fld id="{A6A76A58-F64E-4C48-8C5C-B6FA49AADF78}" type="datetimeFigureOut">
               <a:rPr lang="es-CO" smtClean="0"/>
-              <a:t>11/08/2020</a:t>
+              <a:t>20/08/2020</a:t>
             </a:fld>
             <a:endParaRPr lang="es-CO"/>
           </a:p>
@@ -2565,7 +2565,7 @@
           <a:p>
             <a:fld id="{A6A76A58-F64E-4C48-8C5C-B6FA49AADF78}" type="datetimeFigureOut">
               <a:rPr lang="es-CO" smtClean="0"/>
-              <a:t>11/08/2020</a:t>
+              <a:t>20/08/2020</a:t>
             </a:fld>
             <a:endParaRPr lang="es-CO"/>
           </a:p>
@@ -3690,16 +3690,8 @@
               <a:t>DiferenciaUltimoRegistroYActual</a:t>
             </a:r>
             <a:r>
-              <a:rPr lang="es-ES" dirty="0" smtClean="0"/>
-              <a:t> </a:t>
-            </a:r>
-            <a:r>
-              <a:rPr lang="es-ES" dirty="0"/>
-              <a:t>&lt;</a:t>
-            </a:r>
-            <a:r>
-              <a:rPr lang="es-ES" dirty="0" smtClean="0"/>
-              <a:t>= </a:t>
+              <a:rPr lang="es-ES" smtClean="0"/>
+              <a:t> &gt;= </a:t>
             </a:r>
             <a:r>
               <a:rPr lang="es-ES" dirty="0" smtClean="0"/>
